--- a/00-TeachingMaterials/00-WireControlledCar.pptx
+++ b/00-TeachingMaterials/00-WireControlledCar.pptx
@@ -5,7 +5,7 @@
     <p:sldMasterId id="2147483660" r:id="rId1"/>
   </p:sldMasterIdLst>
   <p:notesMasterIdLst>
-    <p:notesMasterId r:id="rId8"/>
+    <p:notesMasterId r:id="rId9"/>
   </p:notesMasterIdLst>
   <p:sldIdLst>
     <p:sldId id="257" r:id="rId2"/>
@@ -13,7 +13,8 @@
     <p:sldId id="300" r:id="rId4"/>
     <p:sldId id="298" r:id="rId5"/>
     <p:sldId id="285" r:id="rId6"/>
-    <p:sldId id="302" r:id="rId7"/>
+    <p:sldId id="303" r:id="rId7"/>
+    <p:sldId id="302" r:id="rId8"/>
   </p:sldIdLst>
   <p:sldSz cx="12192000" cy="6858000"/>
   <p:notesSz cx="6858000" cy="9144000"/>
@@ -4829,6 +4830,1020 @@
 </file>
 
 <file path=ppt/slides/slide6.xml><?xml version="1.0" encoding="utf-8"?>
+<p:sld xmlns:a="http://schemas.openxmlformats.org/drawingml/2006/main" xmlns:r="http://schemas.openxmlformats.org/officeDocument/2006/relationships" xmlns:p="http://schemas.openxmlformats.org/presentationml/2006/main">
+  <p:cSld>
+    <p:spTree>
+      <p:nvGrpSpPr>
+        <p:cNvPr id="1" name=""/>
+        <p:cNvGrpSpPr/>
+        <p:nvPr/>
+      </p:nvGrpSpPr>
+      <p:grpSpPr>
+        <a:xfrm>
+          <a:off x="0" y="0"/>
+          <a:ext cx="0" cy="0"/>
+          <a:chOff x="0" y="0"/>
+          <a:chExt cx="0" cy="0"/>
+        </a:xfrm>
+      </p:grpSpPr>
+      <p:sp>
+        <p:nvSpPr>
+          <p:cNvPr id="2" name="Title 1">
+            <a:extLst>
+              <a:ext uri="{FF2B5EF4-FFF2-40B4-BE49-F238E27FC236}">
+                <a16:creationId xmlns:a16="http://schemas.microsoft.com/office/drawing/2014/main" id="{B76CFA0B-C199-444E-8940-6B60D25AFDD5}"/>
+              </a:ext>
+            </a:extLst>
+          </p:cNvPr>
+          <p:cNvSpPr>
+            <a:spLocks noGrp="1"/>
+          </p:cNvSpPr>
+          <p:nvPr>
+            <p:ph type="title"/>
+          </p:nvPr>
+        </p:nvSpPr>
+        <p:spPr/>
+        <p:txBody>
+          <a:bodyPr/>
+          <a:lstStyle/>
+          <a:p>
+            <a:r>
+              <a:rPr lang="en-US" dirty="0">
+                <a:latin typeface="Gill Sans MT"/>
+              </a:rPr>
+              <a:t>Circuit Analysis</a:t>
+            </a:r>
+            <a:endParaRPr lang="en-US" dirty="0"/>
+          </a:p>
+        </p:txBody>
+      </p:sp>
+      <p:pic>
+        <p:nvPicPr>
+          <p:cNvPr id="18" name="Content Placeholder 17">
+            <a:extLst>
+              <a:ext uri="{FF2B5EF4-FFF2-40B4-BE49-F238E27FC236}">
+                <a16:creationId xmlns:a16="http://schemas.microsoft.com/office/drawing/2014/main" id="{BFF81F89-175A-48F5-A267-04D84BDAB908}"/>
+              </a:ext>
+            </a:extLst>
+          </p:cNvPr>
+          <p:cNvPicPr>
+            <a:picLocks noGrp="1" noChangeAspect="1"/>
+          </p:cNvPicPr>
+          <p:nvPr>
+            <p:ph idx="1"/>
+          </p:nvPr>
+        </p:nvPicPr>
+        <p:blipFill>
+          <a:blip r:embed="rId2">
+            <a:extLst>
+              <a:ext uri="{BEBA8EAE-BF5A-486C-A8C5-ECC9F3942E4B}">
+                <a14:imgProps xmlns:a14="http://schemas.microsoft.com/office/drawing/2010/main">
+                  <a14:imgLayer r:embed="rId3">
+                    <a14:imgEffect>
+                      <a14:sharpenSoften amount="50000"/>
+                    </a14:imgEffect>
+                    <a14:imgEffect>
+                      <a14:brightnessContrast bright="20000" contrast="-40000"/>
+                    </a14:imgEffect>
+                  </a14:imgLayer>
+                </a14:imgProps>
+              </a:ext>
+            </a:extLst>
+          </a:blip>
+          <a:stretch>
+            <a:fillRect/>
+          </a:stretch>
+        </p:blipFill>
+        <p:spPr>
+          <a:xfrm>
+            <a:off x="625087" y="1690688"/>
+            <a:ext cx="6670867" cy="4415543"/>
+          </a:xfrm>
+          <a:prstGeom prst="rect">
+            <a:avLst/>
+          </a:prstGeom>
+        </p:spPr>
+      </p:pic>
+      <p:pic>
+        <p:nvPicPr>
+          <p:cNvPr id="5" name="Picture 4" descr="A picture containing clipart&#10;&#10;Description generated with very high confidence">
+            <a:extLst>
+              <a:ext uri="{FF2B5EF4-FFF2-40B4-BE49-F238E27FC236}">
+                <a16:creationId xmlns:a16="http://schemas.microsoft.com/office/drawing/2014/main" id="{99E8C4C4-8D26-437B-BE14-F297FF84DC73}"/>
+              </a:ext>
+            </a:extLst>
+          </p:cNvPr>
+          <p:cNvPicPr>
+            <a:picLocks noChangeAspect="1"/>
+          </p:cNvPicPr>
+          <p:nvPr/>
+        </p:nvPicPr>
+        <p:blipFill>
+          <a:blip r:embed="rId4"/>
+          <a:stretch>
+            <a:fillRect/>
+          </a:stretch>
+        </p:blipFill>
+        <p:spPr>
+          <a:xfrm>
+            <a:off x="10131286" y="140092"/>
+            <a:ext cx="1933575" cy="1552575"/>
+          </a:xfrm>
+          <a:prstGeom prst="rect">
+            <a:avLst/>
+          </a:prstGeom>
+        </p:spPr>
+      </p:pic>
+      <p:cxnSp>
+        <p:nvCxnSpPr>
+          <p:cNvPr id="14" name="Straight Connector 13">
+            <a:extLst>
+              <a:ext uri="{FF2B5EF4-FFF2-40B4-BE49-F238E27FC236}">
+                <a16:creationId xmlns:a16="http://schemas.microsoft.com/office/drawing/2014/main" id="{89EAD318-C1B6-4359-AAB9-BE668D57109E}"/>
+              </a:ext>
+            </a:extLst>
+          </p:cNvPr>
+          <p:cNvCxnSpPr/>
+          <p:nvPr/>
+        </p:nvCxnSpPr>
+        <p:spPr>
+          <a:xfrm>
+            <a:off x="68580" y="6507480"/>
+            <a:ext cx="6080760" cy="0"/>
+          </a:xfrm>
+          <a:prstGeom prst="line">
+            <a:avLst/>
+          </a:prstGeom>
+          <a:ln w="12700">
+            <a:solidFill>
+              <a:schemeClr val="tx1"/>
+            </a:solidFill>
+          </a:ln>
+        </p:spPr>
+        <p:style>
+          <a:lnRef idx="1">
+            <a:schemeClr val="accent1"/>
+          </a:lnRef>
+          <a:fillRef idx="0">
+            <a:schemeClr val="accent1"/>
+          </a:fillRef>
+          <a:effectRef idx="0">
+            <a:schemeClr val="accent1"/>
+          </a:effectRef>
+          <a:fontRef idx="minor">
+            <a:schemeClr val="tx1"/>
+          </a:fontRef>
+        </p:style>
+      </p:cxnSp>
+      <p:sp>
+        <p:nvSpPr>
+          <p:cNvPr id="4" name="TextBox 3">
+            <a:extLst>
+              <a:ext uri="{FF2B5EF4-FFF2-40B4-BE49-F238E27FC236}">
+                <a16:creationId xmlns:a16="http://schemas.microsoft.com/office/drawing/2014/main" id="{5523F0D3-A68D-4377-BF68-3769DF3565C6}"/>
+              </a:ext>
+            </a:extLst>
+          </p:cNvPr>
+          <p:cNvSpPr txBox="1"/>
+          <p:nvPr/>
+        </p:nvSpPr>
+        <p:spPr>
+          <a:xfrm>
+            <a:off x="0" y="6507480"/>
+            <a:ext cx="5562292" cy="338554"/>
+          </a:xfrm>
+          <a:prstGeom prst="rect">
+            <a:avLst/>
+          </a:prstGeom>
+          <a:noFill/>
+        </p:spPr>
+        <p:txBody>
+          <a:bodyPr wrap="none" rtlCol="0" anchor="t">
+            <a:spAutoFit/>
+          </a:bodyPr>
+          <a:lstStyle/>
+          <a:p>
+            <a:r>
+              <a:rPr lang="en-US" sz="1600" dirty="0">
+                <a:solidFill>
+                  <a:srgbClr val="C00000"/>
+                </a:solidFill>
+                <a:latin typeface="Gill Sans MT"/>
+              </a:rPr>
+              <a:t>Lafayette Jefferson High School – Digital Electronics – Mr.  White</a:t>
+            </a:r>
+          </a:p>
+        </p:txBody>
+      </p:sp>
+      <mc:AlternateContent xmlns:mc="http://schemas.openxmlformats.org/markup-compatibility/2006">
+        <mc:Choice xmlns:a14="http://schemas.microsoft.com/office/drawing/2010/main" Requires="a14">
+          <p:sp>
+            <p:nvSpPr>
+              <p:cNvPr id="7" name="TextBox 6">
+                <a:extLst>
+                  <a:ext uri="{FF2B5EF4-FFF2-40B4-BE49-F238E27FC236}">
+                    <a16:creationId xmlns:a16="http://schemas.microsoft.com/office/drawing/2014/main" id="{E0D1C800-8476-4F24-8F67-FBBEEBF724F6}"/>
+                  </a:ext>
+                </a:extLst>
+              </p:cNvPr>
+              <p:cNvSpPr txBox="1"/>
+              <p:nvPr/>
+            </p:nvSpPr>
+            <p:spPr>
+              <a:xfrm>
+                <a:off x="7460433" y="1850939"/>
+                <a:ext cx="2141464" cy="461665"/>
+              </a:xfrm>
+              <a:prstGeom prst="rect">
+                <a:avLst/>
+              </a:prstGeom>
+              <a:solidFill>
+                <a:srgbClr val="C00000"/>
+              </a:solidFill>
+              <a:ln w="38100">
+                <a:solidFill>
+                  <a:schemeClr val="tx1"/>
+                </a:solidFill>
+              </a:ln>
+            </p:spPr>
+            <p:txBody>
+              <a:bodyPr wrap="square" rtlCol="0">
+                <a:spAutoFit/>
+              </a:bodyPr>
+              <a:lstStyle>
+                <a:defPPr>
+                  <a:defRPr lang="en-US"/>
+                </a:defPPr>
+                <a:lvl1pPr>
+                  <a:defRPr sz="2400" i="1">
+                    <a:latin typeface="Cambria Math" panose="02040503050406030204" pitchFamily="18" charset="0"/>
+                  </a:defRPr>
+                </a:lvl1pPr>
+              </a:lstStyle>
+              <a:p>
+                <a14:m>
+                  <m:oMath xmlns:m="http://schemas.openxmlformats.org/officeDocument/2006/math">
+                    <m:sSub>
+                      <m:sSubPr>
+                        <m:ctrlPr>
+                          <a:rPr lang="en-US" smtClean="0">
+                            <a:solidFill>
+                              <a:schemeClr val="bg1"/>
+                            </a:solidFill>
+                          </a:rPr>
+                        </m:ctrlPr>
+                      </m:sSubPr>
+                      <m:e>
+                        <m:r>
+                          <a:rPr lang="en-US" b="0" i="1" smtClean="0">
+                            <a:solidFill>
+                              <a:schemeClr val="bg1"/>
+                            </a:solidFill>
+                            <a:latin typeface="Cambria Math" panose="02040503050406030204" pitchFamily="18" charset="0"/>
+                          </a:rPr>
+                          <m:t>𝑅</m:t>
+                        </m:r>
+                      </m:e>
+                      <m:sub>
+                        <m:r>
+                          <a:rPr lang="en-US" b="0" i="1" smtClean="0">
+                            <a:solidFill>
+                              <a:schemeClr val="bg1"/>
+                            </a:solidFill>
+                            <a:latin typeface="Cambria Math" panose="02040503050406030204" pitchFamily="18" charset="0"/>
+                          </a:rPr>
+                          <m:t>𝑀𝑜𝑡𝑜𝑟</m:t>
+                        </m:r>
+                      </m:sub>
+                    </m:sSub>
+                  </m:oMath>
+                </a14:m>
+                <a:r>
+                  <a:rPr lang="en-US" dirty="0">
+                    <a:solidFill>
+                      <a:schemeClr val="bg1"/>
+                    </a:solidFill>
+                  </a:rPr>
+                  <a:t> </a:t>
+                </a:r>
+                <a:r>
+                  <a:rPr lang="en-US" i="0" dirty="0">
+                    <a:solidFill>
+                      <a:prstClr val="white"/>
+                    </a:solidFill>
+                    <a:latin typeface="Calibri" panose="020F0502020204030204"/>
+                  </a:rPr>
+                  <a:t>=</a:t>
+                </a:r>
+                <a:endParaRPr lang="en-US" dirty="0">
+                  <a:solidFill>
+                    <a:schemeClr val="bg1"/>
+                  </a:solidFill>
+                </a:endParaRPr>
+              </a:p>
+            </p:txBody>
+          </p:sp>
+        </mc:Choice>
+        <mc:Fallback>
+          <p:sp>
+            <p:nvSpPr>
+              <p:cNvPr id="7" name="TextBox 6">
+                <a:extLst>
+                  <a:ext uri="{FF2B5EF4-FFF2-40B4-BE49-F238E27FC236}">
+                    <a16:creationId xmlns:a16="http://schemas.microsoft.com/office/drawing/2014/main" id="{E0D1C800-8476-4F24-8F67-FBBEEBF724F6}"/>
+                  </a:ext>
+                </a:extLst>
+              </p:cNvPr>
+              <p:cNvSpPr txBox="1">
+                <a:spLocks noRot="1" noChangeAspect="1" noMove="1" noResize="1" noEditPoints="1" noAdjustHandles="1" noChangeArrowheads="1" noChangeShapeType="1" noTextEdit="1"/>
+              </p:cNvSpPr>
+              <p:nvPr/>
+            </p:nvSpPr>
+            <p:spPr>
+              <a:xfrm>
+                <a:off x="7460433" y="1850939"/>
+                <a:ext cx="2141464" cy="461665"/>
+              </a:xfrm>
+              <a:prstGeom prst="rect">
+                <a:avLst/>
+              </a:prstGeom>
+              <a:blipFill>
+                <a:blip r:embed="rId5"/>
+                <a:stretch>
+                  <a:fillRect t="-6173" b="-24691"/>
+                </a:stretch>
+              </a:blipFill>
+              <a:ln w="38100">
+                <a:solidFill>
+                  <a:schemeClr val="tx1"/>
+                </a:solidFill>
+              </a:ln>
+            </p:spPr>
+            <p:txBody>
+              <a:bodyPr/>
+              <a:lstStyle/>
+              <a:p>
+                <a:r>
+                  <a:rPr lang="en-US">
+                    <a:noFill/>
+                  </a:rPr>
+                  <a:t> </a:t>
+                </a:r>
+              </a:p>
+            </p:txBody>
+          </p:sp>
+        </mc:Fallback>
+      </mc:AlternateContent>
+      <mc:AlternateContent xmlns:mc="http://schemas.openxmlformats.org/markup-compatibility/2006">
+        <mc:Choice xmlns:a14="http://schemas.microsoft.com/office/drawing/2010/main" Requires="a14">
+          <p:sp>
+            <p:nvSpPr>
+              <p:cNvPr id="8" name="TextBox 7">
+                <a:extLst>
+                  <a:ext uri="{FF2B5EF4-FFF2-40B4-BE49-F238E27FC236}">
+                    <a16:creationId xmlns:a16="http://schemas.microsoft.com/office/drawing/2014/main" id="{C9909E2C-5244-45C9-9919-CFA5103FC17E}"/>
+                  </a:ext>
+                </a:extLst>
+              </p:cNvPr>
+              <p:cNvSpPr txBox="1"/>
+              <p:nvPr/>
+            </p:nvSpPr>
+            <p:spPr>
+              <a:xfrm>
+                <a:off x="7460432" y="2841770"/>
+                <a:ext cx="2141464" cy="461665"/>
+              </a:xfrm>
+              <a:prstGeom prst="rect">
+                <a:avLst/>
+              </a:prstGeom>
+              <a:solidFill>
+                <a:srgbClr val="C00000"/>
+              </a:solidFill>
+              <a:ln w="38100">
+                <a:solidFill>
+                  <a:schemeClr val="tx1"/>
+                </a:solidFill>
+              </a:ln>
+            </p:spPr>
+            <p:txBody>
+              <a:bodyPr wrap="square" rtlCol="0">
+                <a:spAutoFit/>
+              </a:bodyPr>
+              <a:lstStyle/>
+              <a:p>
+                <a14:m>
+                  <m:oMath xmlns:m="http://schemas.openxmlformats.org/officeDocument/2006/math">
+                    <m:sSub>
+                      <m:sSubPr>
+                        <m:ctrlPr>
+                          <a:rPr lang="en-US" sz="2400" i="1" smtClean="0">
+                            <a:solidFill>
+                              <a:schemeClr val="bg1"/>
+                            </a:solidFill>
+                            <a:latin typeface="Cambria Math" panose="02040503050406030204" pitchFamily="18" charset="0"/>
+                          </a:rPr>
+                        </m:ctrlPr>
+                      </m:sSubPr>
+                      <m:e>
+                        <m:r>
+                          <a:rPr lang="en-US" sz="2400" b="0" i="1" smtClean="0">
+                            <a:solidFill>
+                              <a:schemeClr val="bg1"/>
+                            </a:solidFill>
+                            <a:latin typeface="Cambria Math" panose="02040503050406030204" pitchFamily="18" charset="0"/>
+                          </a:rPr>
+                          <m:t>𝑉</m:t>
+                        </m:r>
+                      </m:e>
+                      <m:sub>
+                        <m:r>
+                          <a:rPr lang="en-US" sz="2400" b="0" i="1" smtClean="0">
+                            <a:solidFill>
+                              <a:schemeClr val="bg1"/>
+                            </a:solidFill>
+                            <a:latin typeface="Cambria Math" panose="02040503050406030204" pitchFamily="18" charset="0"/>
+                          </a:rPr>
+                          <m:t>𝑀𝑜𝑡𝑜𝑟</m:t>
+                        </m:r>
+                        <m:r>
+                          <a:rPr lang="en-US" sz="2400" b="0" i="1" smtClean="0">
+                            <a:solidFill>
+                              <a:schemeClr val="bg1"/>
+                            </a:solidFill>
+                            <a:latin typeface="Cambria Math" panose="02040503050406030204" pitchFamily="18" charset="0"/>
+                          </a:rPr>
+                          <m:t>1</m:t>
+                        </m:r>
+                      </m:sub>
+                    </m:sSub>
+                  </m:oMath>
+                </a14:m>
+                <a:r>
+                  <a:rPr lang="en-US" sz="2400" dirty="0">
+                    <a:solidFill>
+                      <a:schemeClr val="bg1"/>
+                    </a:solidFill>
+                  </a:rPr>
+                  <a:t> = </a:t>
+                </a:r>
+              </a:p>
+            </p:txBody>
+          </p:sp>
+        </mc:Choice>
+        <mc:Fallback>
+          <p:sp>
+            <p:nvSpPr>
+              <p:cNvPr id="8" name="TextBox 7">
+                <a:extLst>
+                  <a:ext uri="{FF2B5EF4-FFF2-40B4-BE49-F238E27FC236}">
+                    <a16:creationId xmlns:a16="http://schemas.microsoft.com/office/drawing/2014/main" id="{C9909E2C-5244-45C9-9919-CFA5103FC17E}"/>
+                  </a:ext>
+                </a:extLst>
+              </p:cNvPr>
+              <p:cNvSpPr txBox="1">
+                <a:spLocks noRot="1" noChangeAspect="1" noMove="1" noResize="1" noEditPoints="1" noAdjustHandles="1" noChangeArrowheads="1" noChangeShapeType="1" noTextEdit="1"/>
+              </p:cNvSpPr>
+              <p:nvPr/>
+            </p:nvSpPr>
+            <p:spPr>
+              <a:xfrm>
+                <a:off x="7460432" y="2841770"/>
+                <a:ext cx="2141464" cy="461665"/>
+              </a:xfrm>
+              <a:prstGeom prst="rect">
+                <a:avLst/>
+              </a:prstGeom>
+              <a:blipFill>
+                <a:blip r:embed="rId6"/>
+                <a:stretch>
+                  <a:fillRect t="-6098" b="-23171"/>
+                </a:stretch>
+              </a:blipFill>
+              <a:ln w="38100">
+                <a:solidFill>
+                  <a:schemeClr val="tx1"/>
+                </a:solidFill>
+              </a:ln>
+            </p:spPr>
+            <p:txBody>
+              <a:bodyPr/>
+              <a:lstStyle/>
+              <a:p>
+                <a:r>
+                  <a:rPr lang="en-US">
+                    <a:noFill/>
+                  </a:rPr>
+                  <a:t> </a:t>
+                </a:r>
+              </a:p>
+            </p:txBody>
+          </p:sp>
+        </mc:Fallback>
+      </mc:AlternateContent>
+      <mc:AlternateContent xmlns:mc="http://schemas.openxmlformats.org/markup-compatibility/2006">
+        <mc:Choice xmlns:a14="http://schemas.microsoft.com/office/drawing/2010/main" Requires="a14">
+          <p:sp>
+            <p:nvSpPr>
+              <p:cNvPr id="9" name="TextBox 8">
+                <a:extLst>
+                  <a:ext uri="{FF2B5EF4-FFF2-40B4-BE49-F238E27FC236}">
+                    <a16:creationId xmlns:a16="http://schemas.microsoft.com/office/drawing/2014/main" id="{EC0408E9-9042-435A-91C7-A700754C12EA}"/>
+                  </a:ext>
+                </a:extLst>
+              </p:cNvPr>
+              <p:cNvSpPr txBox="1"/>
+              <p:nvPr/>
+            </p:nvSpPr>
+            <p:spPr>
+              <a:xfrm>
+                <a:off x="7460432" y="4532856"/>
+                <a:ext cx="2141464" cy="461665"/>
+              </a:xfrm>
+              <a:prstGeom prst="rect">
+                <a:avLst/>
+              </a:prstGeom>
+              <a:solidFill>
+                <a:srgbClr val="C00000"/>
+              </a:solidFill>
+              <a:ln w="38100">
+                <a:solidFill>
+                  <a:schemeClr val="tx1"/>
+                </a:solidFill>
+              </a:ln>
+            </p:spPr>
+            <p:txBody>
+              <a:bodyPr wrap="square" rtlCol="0">
+                <a:spAutoFit/>
+              </a:bodyPr>
+              <a:lstStyle/>
+              <a:p>
+                <a14:m>
+                  <m:oMath xmlns:m="http://schemas.openxmlformats.org/officeDocument/2006/math">
+                    <m:sSub>
+                      <m:sSubPr>
+                        <m:ctrlPr>
+                          <a:rPr lang="en-US" sz="2400" i="1" smtClean="0">
+                            <a:solidFill>
+                              <a:schemeClr val="bg1"/>
+                            </a:solidFill>
+                            <a:latin typeface="Cambria Math" panose="02040503050406030204" pitchFamily="18" charset="0"/>
+                          </a:rPr>
+                        </m:ctrlPr>
+                      </m:sSubPr>
+                      <m:e>
+                        <m:r>
+                          <a:rPr lang="en-US" sz="2400" b="0" i="1" smtClean="0">
+                            <a:solidFill>
+                              <a:schemeClr val="bg1"/>
+                            </a:solidFill>
+                            <a:latin typeface="Cambria Math" panose="02040503050406030204" pitchFamily="18" charset="0"/>
+                          </a:rPr>
+                          <m:t>𝑉</m:t>
+                        </m:r>
+                      </m:e>
+                      <m:sub>
+                        <m:r>
+                          <a:rPr lang="en-US" sz="2400" b="0" i="1" smtClean="0">
+                            <a:solidFill>
+                              <a:schemeClr val="bg1"/>
+                            </a:solidFill>
+                            <a:latin typeface="Cambria Math" panose="02040503050406030204" pitchFamily="18" charset="0"/>
+                          </a:rPr>
+                          <m:t>𝑀𝑜𝑡𝑜𝑟</m:t>
+                        </m:r>
+                        <m:r>
+                          <a:rPr lang="en-US" sz="2400" b="0" i="1" smtClean="0">
+                            <a:solidFill>
+                              <a:schemeClr val="bg1"/>
+                            </a:solidFill>
+                            <a:latin typeface="Cambria Math" panose="02040503050406030204" pitchFamily="18" charset="0"/>
+                          </a:rPr>
+                          <m:t>1</m:t>
+                        </m:r>
+                      </m:sub>
+                    </m:sSub>
+                  </m:oMath>
+                </a14:m>
+                <a:r>
+                  <a:rPr lang="en-US" sz="2400" dirty="0">
+                    <a:solidFill>
+                      <a:schemeClr val="bg1"/>
+                    </a:solidFill>
+                  </a:rPr>
+                  <a:t> = </a:t>
+                </a:r>
+              </a:p>
+            </p:txBody>
+          </p:sp>
+        </mc:Choice>
+        <mc:Fallback>
+          <p:sp>
+            <p:nvSpPr>
+              <p:cNvPr id="9" name="TextBox 8">
+                <a:extLst>
+                  <a:ext uri="{FF2B5EF4-FFF2-40B4-BE49-F238E27FC236}">
+                    <a16:creationId xmlns:a16="http://schemas.microsoft.com/office/drawing/2014/main" id="{EC0408E9-9042-435A-91C7-A700754C12EA}"/>
+                  </a:ext>
+                </a:extLst>
+              </p:cNvPr>
+              <p:cNvSpPr txBox="1">
+                <a:spLocks noRot="1" noChangeAspect="1" noMove="1" noResize="1" noEditPoints="1" noAdjustHandles="1" noChangeArrowheads="1" noChangeShapeType="1" noTextEdit="1"/>
+              </p:cNvSpPr>
+              <p:nvPr/>
+            </p:nvSpPr>
+            <p:spPr>
+              <a:xfrm>
+                <a:off x="7460432" y="4532856"/>
+                <a:ext cx="2141464" cy="461665"/>
+              </a:xfrm>
+              <a:prstGeom prst="rect">
+                <a:avLst/>
+              </a:prstGeom>
+              <a:blipFill>
+                <a:blip r:embed="rId7"/>
+                <a:stretch>
+                  <a:fillRect t="-6173" b="-24691"/>
+                </a:stretch>
+              </a:blipFill>
+              <a:ln w="38100">
+                <a:solidFill>
+                  <a:schemeClr val="tx1"/>
+                </a:solidFill>
+              </a:ln>
+            </p:spPr>
+            <p:txBody>
+              <a:bodyPr/>
+              <a:lstStyle/>
+              <a:p>
+                <a:r>
+                  <a:rPr lang="en-US">
+                    <a:noFill/>
+                  </a:rPr>
+                  <a:t> </a:t>
+                </a:r>
+              </a:p>
+            </p:txBody>
+          </p:sp>
+        </mc:Fallback>
+      </mc:AlternateContent>
+      <p:sp>
+        <p:nvSpPr>
+          <p:cNvPr id="3" name="TextBox 2">
+            <a:extLst>
+              <a:ext uri="{FF2B5EF4-FFF2-40B4-BE49-F238E27FC236}">
+                <a16:creationId xmlns:a16="http://schemas.microsoft.com/office/drawing/2014/main" id="{9AAEFBC4-0964-4445-A41D-1DF783ED210B}"/>
+              </a:ext>
+            </a:extLst>
+          </p:cNvPr>
+          <p:cNvSpPr txBox="1"/>
+          <p:nvPr/>
+        </p:nvSpPr>
+        <p:spPr>
+          <a:xfrm>
+            <a:off x="6987945" y="2373746"/>
+            <a:ext cx="2441694" cy="369332"/>
+          </a:xfrm>
+          <a:prstGeom prst="rect">
+            <a:avLst/>
+          </a:prstGeom>
+          <a:noFill/>
+        </p:spPr>
+        <p:txBody>
+          <a:bodyPr wrap="none" rtlCol="0">
+            <a:spAutoFit/>
+          </a:bodyPr>
+          <a:lstStyle/>
+          <a:p>
+            <a:r>
+              <a:rPr lang="en-US" dirty="0"/>
+              <a:t>When one side is closed</a:t>
+            </a:r>
+          </a:p>
+        </p:txBody>
+      </p:sp>
+      <p:sp>
+        <p:nvSpPr>
+          <p:cNvPr id="11" name="TextBox 10">
+            <a:extLst>
+              <a:ext uri="{FF2B5EF4-FFF2-40B4-BE49-F238E27FC236}">
+                <a16:creationId xmlns:a16="http://schemas.microsoft.com/office/drawing/2014/main" id="{5CC764B3-E9A6-4A15-8CB9-6343FEC04892}"/>
+              </a:ext>
+            </a:extLst>
+          </p:cNvPr>
+          <p:cNvSpPr txBox="1"/>
+          <p:nvPr/>
+        </p:nvSpPr>
+        <p:spPr>
+          <a:xfrm>
+            <a:off x="6987945" y="4059350"/>
+            <a:ext cx="2775312" cy="369332"/>
+          </a:xfrm>
+          <a:prstGeom prst="rect">
+            <a:avLst/>
+          </a:prstGeom>
+          <a:noFill/>
+        </p:spPr>
+        <p:txBody>
+          <a:bodyPr wrap="none" rtlCol="0">
+            <a:spAutoFit/>
+          </a:bodyPr>
+          <a:lstStyle/>
+          <a:p>
+            <a:r>
+              <a:rPr lang="en-US" dirty="0"/>
+              <a:t>When both sides are closed</a:t>
+            </a:r>
+          </a:p>
+        </p:txBody>
+      </p:sp>
+      <mc:AlternateContent xmlns:mc="http://schemas.openxmlformats.org/markup-compatibility/2006">
+        <mc:Choice xmlns:a14="http://schemas.microsoft.com/office/drawing/2010/main" Requires="a14">
+          <p:sp>
+            <p:nvSpPr>
+              <p:cNvPr id="12" name="TextBox 11">
+                <a:extLst>
+                  <a:ext uri="{FF2B5EF4-FFF2-40B4-BE49-F238E27FC236}">
+                    <a16:creationId xmlns:a16="http://schemas.microsoft.com/office/drawing/2014/main" id="{3C2D995F-4D57-4695-B3DD-69420170929C}"/>
+                  </a:ext>
+                </a:extLst>
+              </p:cNvPr>
+              <p:cNvSpPr txBox="1"/>
+              <p:nvPr/>
+            </p:nvSpPr>
+            <p:spPr>
+              <a:xfrm>
+                <a:off x="7458873" y="3473410"/>
+                <a:ext cx="2141464" cy="491738"/>
+              </a:xfrm>
+              <a:prstGeom prst="rect">
+                <a:avLst/>
+              </a:prstGeom>
+              <a:solidFill>
+                <a:srgbClr val="C00000"/>
+              </a:solidFill>
+              <a:ln w="38100">
+                <a:solidFill>
+                  <a:schemeClr val="tx1"/>
+                </a:solidFill>
+              </a:ln>
+            </p:spPr>
+            <p:txBody>
+              <a:bodyPr wrap="square" rtlCol="0">
+                <a:spAutoFit/>
+              </a:bodyPr>
+              <a:lstStyle/>
+              <a:p>
+                <a14:m>
+                  <m:oMath xmlns:m="http://schemas.openxmlformats.org/officeDocument/2006/math">
+                    <m:sSub>
+                      <m:sSubPr>
+                        <m:ctrlPr>
+                          <a:rPr lang="en-US" sz="2400" i="1" smtClean="0">
+                            <a:solidFill>
+                              <a:schemeClr val="bg1"/>
+                            </a:solidFill>
+                            <a:latin typeface="Cambria Math" panose="02040503050406030204" pitchFamily="18" charset="0"/>
+                          </a:rPr>
+                        </m:ctrlPr>
+                      </m:sSubPr>
+                      <m:e>
+                        <m:r>
+                          <a:rPr lang="en-US" sz="2400" b="0" i="1" smtClean="0">
+                            <a:solidFill>
+                              <a:schemeClr val="bg1"/>
+                            </a:solidFill>
+                            <a:latin typeface="Cambria Math" panose="02040503050406030204" pitchFamily="18" charset="0"/>
+                          </a:rPr>
+                          <m:t>𝐼</m:t>
+                        </m:r>
+                      </m:e>
+                      <m:sub>
+                        <m:r>
+                          <a:rPr lang="en-US" sz="2400" b="0" i="1" smtClean="0">
+                            <a:solidFill>
+                              <a:schemeClr val="bg1"/>
+                            </a:solidFill>
+                            <a:latin typeface="Cambria Math" panose="02040503050406030204" pitchFamily="18" charset="0"/>
+                          </a:rPr>
+                          <m:t>𝑅𝑖𝑔h𝑡</m:t>
+                        </m:r>
+                      </m:sub>
+                    </m:sSub>
+                  </m:oMath>
+                </a14:m>
+                <a:r>
+                  <a:rPr lang="en-US" sz="2400" dirty="0">
+                    <a:solidFill>
+                      <a:schemeClr val="bg1"/>
+                    </a:solidFill>
+                  </a:rPr>
+                  <a:t> = </a:t>
+                </a:r>
+              </a:p>
+            </p:txBody>
+          </p:sp>
+        </mc:Choice>
+        <mc:Fallback>
+          <p:sp>
+            <p:nvSpPr>
+              <p:cNvPr id="12" name="TextBox 11">
+                <a:extLst>
+                  <a:ext uri="{FF2B5EF4-FFF2-40B4-BE49-F238E27FC236}">
+                    <a16:creationId xmlns:a16="http://schemas.microsoft.com/office/drawing/2014/main" id="{3C2D995F-4D57-4695-B3DD-69420170929C}"/>
+                  </a:ext>
+                </a:extLst>
+              </p:cNvPr>
+              <p:cNvSpPr txBox="1">
+                <a:spLocks noRot="1" noChangeAspect="1" noMove="1" noResize="1" noEditPoints="1" noAdjustHandles="1" noChangeArrowheads="1" noChangeShapeType="1" noTextEdit="1"/>
+              </p:cNvSpPr>
+              <p:nvPr/>
+            </p:nvSpPr>
+            <p:spPr>
+              <a:xfrm>
+                <a:off x="7458873" y="3473410"/>
+                <a:ext cx="2141464" cy="491738"/>
+              </a:xfrm>
+              <a:prstGeom prst="rect">
+                <a:avLst/>
+              </a:prstGeom>
+              <a:blipFill>
+                <a:blip r:embed="rId8"/>
+                <a:stretch>
+                  <a:fillRect t="-4651" b="-18605"/>
+                </a:stretch>
+              </a:blipFill>
+              <a:ln w="38100">
+                <a:solidFill>
+                  <a:schemeClr val="tx1"/>
+                </a:solidFill>
+              </a:ln>
+            </p:spPr>
+            <p:txBody>
+              <a:bodyPr/>
+              <a:lstStyle/>
+              <a:p>
+                <a:r>
+                  <a:rPr lang="en-US">
+                    <a:noFill/>
+                  </a:rPr>
+                  <a:t> </a:t>
+                </a:r>
+              </a:p>
+            </p:txBody>
+          </p:sp>
+        </mc:Fallback>
+      </mc:AlternateContent>
+      <mc:AlternateContent xmlns:mc="http://schemas.openxmlformats.org/markup-compatibility/2006">
+        <mc:Choice xmlns:a14="http://schemas.microsoft.com/office/drawing/2010/main" Requires="a14">
+          <p:sp>
+            <p:nvSpPr>
+              <p:cNvPr id="13" name="TextBox 12">
+                <a:extLst>
+                  <a:ext uri="{FF2B5EF4-FFF2-40B4-BE49-F238E27FC236}">
+                    <a16:creationId xmlns:a16="http://schemas.microsoft.com/office/drawing/2014/main" id="{6A1C990E-B0FD-4490-B1A6-A473CB77F34B}"/>
+                  </a:ext>
+                </a:extLst>
+              </p:cNvPr>
+              <p:cNvSpPr txBox="1"/>
+              <p:nvPr/>
+            </p:nvSpPr>
+            <p:spPr>
+              <a:xfrm>
+                <a:off x="7458873" y="5146820"/>
+                <a:ext cx="2141464" cy="491738"/>
+              </a:xfrm>
+              <a:prstGeom prst="rect">
+                <a:avLst/>
+              </a:prstGeom>
+              <a:solidFill>
+                <a:srgbClr val="C00000"/>
+              </a:solidFill>
+              <a:ln w="38100">
+                <a:solidFill>
+                  <a:schemeClr val="tx1"/>
+                </a:solidFill>
+              </a:ln>
+            </p:spPr>
+            <p:txBody>
+              <a:bodyPr wrap="square" rtlCol="0">
+                <a:spAutoFit/>
+              </a:bodyPr>
+              <a:lstStyle/>
+              <a:p>
+                <a14:m>
+                  <m:oMath xmlns:m="http://schemas.openxmlformats.org/officeDocument/2006/math">
+                    <m:sSub>
+                      <m:sSubPr>
+                        <m:ctrlPr>
+                          <a:rPr lang="en-US" sz="2400" i="1" smtClean="0">
+                            <a:solidFill>
+                              <a:schemeClr val="bg1"/>
+                            </a:solidFill>
+                            <a:latin typeface="Cambria Math" panose="02040503050406030204" pitchFamily="18" charset="0"/>
+                          </a:rPr>
+                        </m:ctrlPr>
+                      </m:sSubPr>
+                      <m:e>
+                        <m:r>
+                          <a:rPr lang="en-US" sz="2400" b="0" i="1" smtClean="0">
+                            <a:solidFill>
+                              <a:schemeClr val="bg1"/>
+                            </a:solidFill>
+                            <a:latin typeface="Cambria Math" panose="02040503050406030204" pitchFamily="18" charset="0"/>
+                          </a:rPr>
+                          <m:t>𝐼</m:t>
+                        </m:r>
+                      </m:e>
+                      <m:sub>
+                        <m:r>
+                          <a:rPr lang="en-US" sz="2400" b="0" i="1" smtClean="0">
+                            <a:solidFill>
+                              <a:schemeClr val="bg1"/>
+                            </a:solidFill>
+                            <a:latin typeface="Cambria Math" panose="02040503050406030204" pitchFamily="18" charset="0"/>
+                          </a:rPr>
+                          <m:t>𝑅𝑖𝑔h𝑡</m:t>
+                        </m:r>
+                      </m:sub>
+                    </m:sSub>
+                  </m:oMath>
+                </a14:m>
+                <a:r>
+                  <a:rPr lang="en-US" sz="2400" dirty="0">
+                    <a:solidFill>
+                      <a:schemeClr val="bg1"/>
+                    </a:solidFill>
+                  </a:rPr>
+                  <a:t> = </a:t>
+                </a:r>
+              </a:p>
+            </p:txBody>
+          </p:sp>
+        </mc:Choice>
+        <mc:Fallback>
+          <p:sp>
+            <p:nvSpPr>
+              <p:cNvPr id="13" name="TextBox 12">
+                <a:extLst>
+                  <a:ext uri="{FF2B5EF4-FFF2-40B4-BE49-F238E27FC236}">
+                    <a16:creationId xmlns:a16="http://schemas.microsoft.com/office/drawing/2014/main" id="{6A1C990E-B0FD-4490-B1A6-A473CB77F34B}"/>
+                  </a:ext>
+                </a:extLst>
+              </p:cNvPr>
+              <p:cNvSpPr txBox="1">
+                <a:spLocks noRot="1" noChangeAspect="1" noMove="1" noResize="1" noEditPoints="1" noAdjustHandles="1" noChangeArrowheads="1" noChangeShapeType="1" noTextEdit="1"/>
+              </p:cNvSpPr>
+              <p:nvPr/>
+            </p:nvSpPr>
+            <p:spPr>
+              <a:xfrm>
+                <a:off x="7458873" y="5146820"/>
+                <a:ext cx="2141464" cy="491738"/>
+              </a:xfrm>
+              <a:prstGeom prst="rect">
+                <a:avLst/>
+              </a:prstGeom>
+              <a:blipFill>
+                <a:blip r:embed="rId9"/>
+                <a:stretch>
+                  <a:fillRect t="-4598" b="-17241"/>
+                </a:stretch>
+              </a:blipFill>
+              <a:ln w="38100">
+                <a:solidFill>
+                  <a:schemeClr val="tx1"/>
+                </a:solidFill>
+              </a:ln>
+            </p:spPr>
+            <p:txBody>
+              <a:bodyPr/>
+              <a:lstStyle/>
+              <a:p>
+                <a:r>
+                  <a:rPr lang="en-US">
+                    <a:noFill/>
+                  </a:rPr>
+                  <a:t> </a:t>
+                </a:r>
+              </a:p>
+            </p:txBody>
+          </p:sp>
+        </mc:Fallback>
+      </mc:AlternateContent>
+    </p:spTree>
+    <p:extLst>
+      <p:ext uri="{BB962C8B-B14F-4D97-AF65-F5344CB8AC3E}">
+        <p14:creationId xmlns:p14="http://schemas.microsoft.com/office/powerpoint/2010/main" val="1960209668"/>
+      </p:ext>
+    </p:extLst>
+  </p:cSld>
+  <p:clrMapOvr>
+    <a:masterClrMapping/>
+  </p:clrMapOvr>
+</p:sld>
+</file>
+
+<file path=ppt/slides/slide7.xml><?xml version="1.0" encoding="utf-8"?>
 <p:sld xmlns:a="http://schemas.openxmlformats.org/drawingml/2006/main" xmlns:r="http://schemas.openxmlformats.org/officeDocument/2006/relationships" xmlns:p="http://schemas.openxmlformats.org/presentationml/2006/main">
   <p:cSld>
     <p:spTree>

--- a/00-TeachingMaterials/00-WireControlledCar.pptx
+++ b/00-TeachingMaterials/00-WireControlledCar.pptx
@@ -5,7 +5,7 @@
     <p:sldMasterId id="2147483660" r:id="rId1"/>
   </p:sldMasterIdLst>
   <p:notesMasterIdLst>
-    <p:notesMasterId r:id="rId9"/>
+    <p:notesMasterId r:id="rId10"/>
   </p:notesMasterIdLst>
   <p:sldIdLst>
     <p:sldId id="257" r:id="rId2"/>
@@ -14,7 +14,8 @@
     <p:sldId id="298" r:id="rId5"/>
     <p:sldId id="285" r:id="rId6"/>
     <p:sldId id="303" r:id="rId7"/>
-    <p:sldId id="302" r:id="rId8"/>
+    <p:sldId id="304" r:id="rId8"/>
+    <p:sldId id="302" r:id="rId9"/>
   </p:sldIdLst>
   <p:sldSz cx="12192000" cy="6858000"/>
   <p:notesSz cx="6858000" cy="9144000"/>
@@ -203,7 +204,7 @@
           <a:p>
             <a:fld id="{1FC5230E-9B73-4F2B-976A-4E8D7B1832FE}" type="datetimeFigureOut">
               <a:rPr lang="en-US" smtClean="0"/>
-              <a:t>3/4/2020</a:t>
+              <a:t>3/13/2020</a:t>
             </a:fld>
             <a:endParaRPr lang="en-US"/>
           </a:p>
@@ -601,7 +602,7 @@
           <a:p>
             <a:fld id="{F1A044A2-356F-4586-9B93-50B6F9365EEA}" type="datetime1">
               <a:rPr lang="en-US" smtClean="0"/>
-              <a:t>3/4/2020</a:t>
+              <a:t>3/13/2020</a:t>
             </a:fld>
             <a:endParaRPr lang="en-US"/>
           </a:p>
@@ -771,7 +772,7 @@
           <a:p>
             <a:fld id="{48AB09D3-4170-44DE-9927-8FB7C8D105C0}" type="datetime1">
               <a:rPr lang="en-US" smtClean="0"/>
-              <a:t>3/4/2020</a:t>
+              <a:t>3/13/2020</a:t>
             </a:fld>
             <a:endParaRPr lang="en-US"/>
           </a:p>
@@ -951,7 +952,7 @@
           <a:p>
             <a:fld id="{31639B17-514F-4911-814A-56DA8E5CCEE7}" type="datetime1">
               <a:rPr lang="en-US" smtClean="0"/>
-              <a:t>3/4/2020</a:t>
+              <a:t>3/13/2020</a:t>
             </a:fld>
             <a:endParaRPr lang="en-US"/>
           </a:p>
@@ -1121,7 +1122,7 @@
           <a:p>
             <a:fld id="{609F6805-879A-4BF4-8864-1D1FE5EA400F}" type="datetime1">
               <a:rPr lang="en-US" smtClean="0"/>
-              <a:t>3/4/2020</a:t>
+              <a:t>3/13/2020</a:t>
             </a:fld>
             <a:endParaRPr lang="en-US"/>
           </a:p>
@@ -1367,7 +1368,7 @@
           <a:p>
             <a:fld id="{D9BBE2D5-5FD9-4C5A-B2BF-251BA351CDAE}" type="datetime1">
               <a:rPr lang="en-US" smtClean="0"/>
-              <a:t>3/4/2020</a:t>
+              <a:t>3/13/2020</a:t>
             </a:fld>
             <a:endParaRPr lang="en-US"/>
           </a:p>
@@ -1599,7 +1600,7 @@
           <a:p>
             <a:fld id="{97A1EF35-C2CB-4AB1-8F87-0A8F88E53DF7}" type="datetime1">
               <a:rPr lang="en-US" smtClean="0"/>
-              <a:t>3/4/2020</a:t>
+              <a:t>3/13/2020</a:t>
             </a:fld>
             <a:endParaRPr lang="en-US"/>
           </a:p>
@@ -1966,7 +1967,7 @@
           <a:p>
             <a:fld id="{EA27B51A-1BD1-4855-8CAE-B066F870894A}" type="datetime1">
               <a:rPr lang="en-US" smtClean="0"/>
-              <a:t>3/4/2020</a:t>
+              <a:t>3/13/2020</a:t>
             </a:fld>
             <a:endParaRPr lang="en-US"/>
           </a:p>
@@ -2084,7 +2085,7 @@
           <a:p>
             <a:fld id="{6853F328-CBD0-48D4-8B82-D39832794138}" type="datetime1">
               <a:rPr lang="en-US" smtClean="0"/>
-              <a:t>3/4/2020</a:t>
+              <a:t>3/13/2020</a:t>
             </a:fld>
             <a:endParaRPr lang="en-US"/>
           </a:p>
@@ -2179,7 +2180,7 @@
           <a:p>
             <a:fld id="{D4C05C35-AB6C-4BD9-A772-1446071AB03B}" type="datetime1">
               <a:rPr lang="en-US" smtClean="0"/>
-              <a:t>3/4/2020</a:t>
+              <a:t>3/13/2020</a:t>
             </a:fld>
             <a:endParaRPr lang="en-US"/>
           </a:p>
@@ -2456,7 +2457,7 @@
           <a:p>
             <a:fld id="{177D122E-9B2C-4429-8971-73A4066EE8D8}" type="datetime1">
               <a:rPr lang="en-US" smtClean="0"/>
-              <a:t>3/4/2020</a:t>
+              <a:t>3/13/2020</a:t>
             </a:fld>
             <a:endParaRPr lang="en-US"/>
           </a:p>
@@ -2713,7 +2714,7 @@
           <a:p>
             <a:fld id="{5425AD15-14B5-4098-9163-799D1FEA6A02}" type="datetime1">
               <a:rPr lang="en-US" smtClean="0"/>
-              <a:t>3/4/2020</a:t>
+              <a:t>3/13/2020</a:t>
             </a:fld>
             <a:endParaRPr lang="en-US"/>
           </a:p>
@@ -2926,7 +2927,7 @@
           <a:p>
             <a:fld id="{DA8F6F66-B649-475E-982B-6397957FCD97}" type="datetime1">
               <a:rPr lang="en-US" smtClean="0"/>
-              <a:t>3/4/2020</a:t>
+              <a:t>3/13/2020</a:t>
             </a:fld>
             <a:endParaRPr lang="en-US"/>
           </a:p>
@@ -5035,8 +5036,8 @@
           </a:p>
         </p:txBody>
       </p:sp>
-      <mc:AlternateContent xmlns:mc="http://schemas.openxmlformats.org/markup-compatibility/2006">
-        <mc:Choice xmlns:a14="http://schemas.microsoft.com/office/drawing/2010/main" Requires="a14">
+      <mc:AlternateContent xmlns:mc="http://schemas.openxmlformats.org/markup-compatibility/2006" xmlns:a14="http://schemas.microsoft.com/office/drawing/2010/main">
+        <mc:Choice Requires="a14">
           <p:sp>
             <p:nvSpPr>
               <p:cNvPr id="7" name="TextBox 6">
@@ -5086,10 +5087,11 @@
                     <m:sSub>
                       <m:sSubPr>
                         <m:ctrlPr>
-                          <a:rPr lang="en-US" smtClean="0">
+                          <a:rPr lang="en-US" i="1" smtClean="0">
                             <a:solidFill>
                               <a:schemeClr val="bg1"/>
                             </a:solidFill>
+                            <a:latin typeface="Cambria Math" panose="02040503050406030204" pitchFamily="18" charset="0"/>
                           </a:rPr>
                         </m:ctrlPr>
                       </m:sSubPr>
@@ -5144,7 +5146,7 @@
             </p:txBody>
           </p:sp>
         </mc:Choice>
-        <mc:Fallback>
+        <mc:Fallback xmlns="">
           <p:sp>
             <p:nvSpPr>
               <p:cNvPr id="7" name="TextBox 6">
@@ -5194,8 +5196,8 @@
           </p:sp>
         </mc:Fallback>
       </mc:AlternateContent>
-      <mc:AlternateContent xmlns:mc="http://schemas.openxmlformats.org/markup-compatibility/2006">
-        <mc:Choice xmlns:a14="http://schemas.microsoft.com/office/drawing/2010/main" Requires="a14">
+      <mc:AlternateContent xmlns:mc="http://schemas.openxmlformats.org/markup-compatibility/2006" xmlns:a14="http://schemas.microsoft.com/office/drawing/2010/main">
+        <mc:Choice Requires="a14">
           <p:sp>
             <p:nvSpPr>
               <p:cNvPr id="8" name="TextBox 7">
@@ -5290,7 +5292,7 @@
             </p:txBody>
           </p:sp>
         </mc:Choice>
-        <mc:Fallback>
+        <mc:Fallback xmlns="">
           <p:sp>
             <p:nvSpPr>
               <p:cNvPr id="8" name="TextBox 7">
@@ -5340,8 +5342,8 @@
           </p:sp>
         </mc:Fallback>
       </mc:AlternateContent>
-      <mc:AlternateContent xmlns:mc="http://schemas.openxmlformats.org/markup-compatibility/2006">
-        <mc:Choice xmlns:a14="http://schemas.microsoft.com/office/drawing/2010/main" Requires="a14">
+      <mc:AlternateContent xmlns:mc="http://schemas.openxmlformats.org/markup-compatibility/2006" xmlns:a14="http://schemas.microsoft.com/office/drawing/2010/main">
+        <mc:Choice Requires="a14">
           <p:sp>
             <p:nvSpPr>
               <p:cNvPr id="9" name="TextBox 8">
@@ -5436,7 +5438,7 @@
             </p:txBody>
           </p:sp>
         </mc:Choice>
-        <mc:Fallback>
+        <mc:Fallback xmlns="">
           <p:sp>
             <p:nvSpPr>
               <p:cNvPr id="9" name="TextBox 8">
@@ -5556,8 +5558,8 @@
           </a:p>
         </p:txBody>
       </p:sp>
-      <mc:AlternateContent xmlns:mc="http://schemas.openxmlformats.org/markup-compatibility/2006">
-        <mc:Choice xmlns:a14="http://schemas.microsoft.com/office/drawing/2010/main" Requires="a14">
+      <mc:AlternateContent xmlns:mc="http://schemas.openxmlformats.org/markup-compatibility/2006" xmlns:a14="http://schemas.microsoft.com/office/drawing/2010/main">
+        <mc:Choice Requires="a14">
           <p:sp>
             <p:nvSpPr>
               <p:cNvPr id="12" name="TextBox 11">
@@ -5643,7 +5645,7 @@
             </p:txBody>
           </p:sp>
         </mc:Choice>
-        <mc:Fallback>
+        <mc:Fallback xmlns="">
           <p:sp>
             <p:nvSpPr>
               <p:cNvPr id="12" name="TextBox 11">
@@ -5693,8 +5695,8 @@
           </p:sp>
         </mc:Fallback>
       </mc:AlternateContent>
-      <mc:AlternateContent xmlns:mc="http://schemas.openxmlformats.org/markup-compatibility/2006">
-        <mc:Choice xmlns:a14="http://schemas.microsoft.com/office/drawing/2010/main" Requires="a14">
+      <mc:AlternateContent xmlns:mc="http://schemas.openxmlformats.org/markup-compatibility/2006" xmlns:a14="http://schemas.microsoft.com/office/drawing/2010/main">
+        <mc:Choice Requires="a14">
           <p:sp>
             <p:nvSpPr>
               <p:cNvPr id="13" name="TextBox 12">
@@ -5780,7 +5782,7 @@
             </p:txBody>
           </p:sp>
         </mc:Choice>
-        <mc:Fallback>
+        <mc:Fallback xmlns="">
           <p:sp>
             <p:nvSpPr>
               <p:cNvPr id="13" name="TextBox 12">
@@ -5844,6 +5846,908 @@
 </file>
 
 <file path=ppt/slides/slide7.xml><?xml version="1.0" encoding="utf-8"?>
+<p:sld xmlns:a="http://schemas.openxmlformats.org/drawingml/2006/main" xmlns:r="http://schemas.openxmlformats.org/officeDocument/2006/relationships" xmlns:p="http://schemas.openxmlformats.org/presentationml/2006/main">
+  <p:cSld>
+    <p:spTree>
+      <p:nvGrpSpPr>
+        <p:cNvPr id="1" name=""/>
+        <p:cNvGrpSpPr/>
+        <p:nvPr/>
+      </p:nvGrpSpPr>
+      <p:grpSpPr>
+        <a:xfrm>
+          <a:off x="0" y="0"/>
+          <a:ext cx="0" cy="0"/>
+          <a:chOff x="0" y="0"/>
+          <a:chExt cx="0" cy="0"/>
+        </a:xfrm>
+      </p:grpSpPr>
+      <p:grpSp>
+        <p:nvGrpSpPr>
+          <p:cNvPr id="23" name="Group 22">
+            <a:extLst>
+              <a:ext uri="{FF2B5EF4-FFF2-40B4-BE49-F238E27FC236}">
+                <a16:creationId xmlns:a16="http://schemas.microsoft.com/office/drawing/2014/main" id="{CD98749E-86B5-41C8-BA7A-DCC3E0C4D72D}"/>
+              </a:ext>
+            </a:extLst>
+          </p:cNvPr>
+          <p:cNvGrpSpPr/>
+          <p:nvPr/>
+        </p:nvGrpSpPr>
+        <p:grpSpPr>
+          <a:xfrm>
+            <a:off x="7806088" y="1915427"/>
+            <a:ext cx="2425567" cy="4190804"/>
+            <a:chOff x="7806088" y="1915427"/>
+            <a:chExt cx="2425567" cy="4190804"/>
+          </a:xfrm>
+        </p:grpSpPr>
+        <p:sp>
+          <p:nvSpPr>
+            <p:cNvPr id="6" name="Rectangle 5">
+              <a:extLst>
+                <a:ext uri="{FF2B5EF4-FFF2-40B4-BE49-F238E27FC236}">
+                  <a16:creationId xmlns:a16="http://schemas.microsoft.com/office/drawing/2014/main" id="{D9E739FE-BC1E-4BF6-B9A1-A156CB122CB2}"/>
+                </a:ext>
+              </a:extLst>
+            </p:cNvPr>
+            <p:cNvSpPr/>
+            <p:nvPr/>
+          </p:nvSpPr>
+          <p:spPr>
+            <a:xfrm>
+              <a:off x="7806088" y="1915427"/>
+              <a:ext cx="2425567" cy="4190804"/>
+            </a:xfrm>
+            <a:prstGeom prst="rect">
+              <a:avLst/>
+            </a:prstGeom>
+            <a:solidFill>
+              <a:schemeClr val="bg1"/>
+            </a:solidFill>
+            <a:ln w="38100">
+              <a:solidFill>
+                <a:schemeClr val="tx1"/>
+              </a:solidFill>
+            </a:ln>
+          </p:spPr>
+          <p:style>
+            <a:lnRef idx="2">
+              <a:schemeClr val="accent1">
+                <a:shade val="50000"/>
+              </a:schemeClr>
+            </a:lnRef>
+            <a:fillRef idx="1">
+              <a:schemeClr val="accent1"/>
+            </a:fillRef>
+            <a:effectRef idx="0">
+              <a:schemeClr val="accent1"/>
+            </a:effectRef>
+            <a:fontRef idx="minor">
+              <a:schemeClr val="lt1"/>
+            </a:fontRef>
+          </p:style>
+          <p:txBody>
+            <a:bodyPr rtlCol="0" anchor="ctr"/>
+            <a:lstStyle/>
+            <a:p>
+              <a:pPr algn="ctr"/>
+              <a:endParaRPr lang="en-US"/>
+            </a:p>
+          </p:txBody>
+        </p:sp>
+        <p:sp>
+          <p:nvSpPr>
+            <p:cNvPr id="10" name="Rectangle 9">
+              <a:extLst>
+                <a:ext uri="{FF2B5EF4-FFF2-40B4-BE49-F238E27FC236}">
+                  <a16:creationId xmlns:a16="http://schemas.microsoft.com/office/drawing/2014/main" id="{69D58B6D-41A3-4A5F-8ED4-BD940256AB1E}"/>
+                </a:ext>
+              </a:extLst>
+            </p:cNvPr>
+            <p:cNvSpPr/>
+            <p:nvPr/>
+          </p:nvSpPr>
+          <p:spPr>
+            <a:xfrm>
+              <a:off x="8094846" y="2242686"/>
+              <a:ext cx="1838426" cy="904775"/>
+            </a:xfrm>
+            <a:prstGeom prst="rect">
+              <a:avLst/>
+            </a:prstGeom>
+            <a:solidFill>
+              <a:schemeClr val="bg1"/>
+            </a:solidFill>
+            <a:ln w="28575">
+              <a:solidFill>
+                <a:schemeClr val="tx1"/>
+              </a:solidFill>
+            </a:ln>
+          </p:spPr>
+          <p:style>
+            <a:lnRef idx="2">
+              <a:schemeClr val="accent1">
+                <a:shade val="50000"/>
+              </a:schemeClr>
+            </a:lnRef>
+            <a:fillRef idx="1">
+              <a:schemeClr val="accent1"/>
+            </a:fillRef>
+            <a:effectRef idx="0">
+              <a:schemeClr val="accent1"/>
+            </a:effectRef>
+            <a:fontRef idx="minor">
+              <a:schemeClr val="lt1"/>
+            </a:fontRef>
+          </p:style>
+          <p:txBody>
+            <a:bodyPr rtlCol="0" anchor="ctr"/>
+            <a:lstStyle/>
+            <a:p>
+              <a:pPr algn="ctr"/>
+              <a:endParaRPr lang="en-US"/>
+            </a:p>
+          </p:txBody>
+        </p:sp>
+        <p:sp>
+          <p:nvSpPr>
+            <p:cNvPr id="20" name="Oval 19">
+              <a:extLst>
+                <a:ext uri="{FF2B5EF4-FFF2-40B4-BE49-F238E27FC236}">
+                  <a16:creationId xmlns:a16="http://schemas.microsoft.com/office/drawing/2014/main" id="{090CCC4F-5893-4FC9-9AA4-A73BE6A3EF97}"/>
+                </a:ext>
+              </a:extLst>
+            </p:cNvPr>
+            <p:cNvSpPr/>
+            <p:nvPr/>
+          </p:nvSpPr>
+          <p:spPr>
+            <a:xfrm>
+              <a:off x="9249878" y="5505651"/>
+              <a:ext cx="320040" cy="320040"/>
+            </a:xfrm>
+            <a:prstGeom prst="ellipse">
+              <a:avLst/>
+            </a:prstGeom>
+            <a:solidFill>
+              <a:schemeClr val="bg1"/>
+            </a:solidFill>
+            <a:ln w="28575">
+              <a:solidFill>
+                <a:schemeClr val="tx1"/>
+              </a:solidFill>
+            </a:ln>
+          </p:spPr>
+          <p:style>
+            <a:lnRef idx="2">
+              <a:schemeClr val="accent1">
+                <a:shade val="50000"/>
+              </a:schemeClr>
+            </a:lnRef>
+            <a:fillRef idx="1">
+              <a:schemeClr val="accent1"/>
+            </a:fillRef>
+            <a:effectRef idx="0">
+              <a:schemeClr val="accent1"/>
+            </a:effectRef>
+            <a:fontRef idx="minor">
+              <a:schemeClr val="lt1"/>
+            </a:fontRef>
+          </p:style>
+          <p:txBody>
+            <a:bodyPr rtlCol="0" anchor="ctr"/>
+            <a:lstStyle/>
+            <a:p>
+              <a:pPr algn="ctr"/>
+              <a:endParaRPr lang="en-US"/>
+            </a:p>
+          </p:txBody>
+        </p:sp>
+        <p:sp>
+          <p:nvSpPr>
+            <p:cNvPr id="21" name="Oval 20">
+              <a:extLst>
+                <a:ext uri="{FF2B5EF4-FFF2-40B4-BE49-F238E27FC236}">
+                  <a16:creationId xmlns:a16="http://schemas.microsoft.com/office/drawing/2014/main" id="{4B210D08-8FA4-4B49-AB8D-269DECD685E7}"/>
+                </a:ext>
+              </a:extLst>
+            </p:cNvPr>
+            <p:cNvSpPr/>
+            <p:nvPr/>
+          </p:nvSpPr>
+          <p:spPr>
+            <a:xfrm>
+              <a:off x="9699859" y="5505651"/>
+              <a:ext cx="320040" cy="320040"/>
+            </a:xfrm>
+            <a:prstGeom prst="ellipse">
+              <a:avLst/>
+            </a:prstGeom>
+            <a:solidFill>
+              <a:schemeClr val="bg1"/>
+            </a:solidFill>
+            <a:ln w="28575">
+              <a:solidFill>
+                <a:schemeClr val="tx1"/>
+              </a:solidFill>
+            </a:ln>
+          </p:spPr>
+          <p:style>
+            <a:lnRef idx="2">
+              <a:schemeClr val="accent1">
+                <a:shade val="50000"/>
+              </a:schemeClr>
+            </a:lnRef>
+            <a:fillRef idx="1">
+              <a:schemeClr val="accent1"/>
+            </a:fillRef>
+            <a:effectRef idx="0">
+              <a:schemeClr val="accent1"/>
+            </a:effectRef>
+            <a:fontRef idx="minor">
+              <a:schemeClr val="lt1"/>
+            </a:fontRef>
+          </p:style>
+          <p:txBody>
+            <a:bodyPr rtlCol="0" anchor="ctr"/>
+            <a:lstStyle/>
+            <a:p>
+              <a:pPr algn="ctr"/>
+              <a:endParaRPr lang="en-US"/>
+            </a:p>
+          </p:txBody>
+        </p:sp>
+        <p:sp>
+          <p:nvSpPr>
+            <p:cNvPr id="22" name="Oval 21">
+              <a:extLst>
+                <a:ext uri="{FF2B5EF4-FFF2-40B4-BE49-F238E27FC236}">
+                  <a16:creationId xmlns:a16="http://schemas.microsoft.com/office/drawing/2014/main" id="{AB5880A0-7CB2-4FDA-B996-E0B45C22B4B6}"/>
+                </a:ext>
+              </a:extLst>
+            </p:cNvPr>
+            <p:cNvSpPr/>
+            <p:nvPr/>
+          </p:nvSpPr>
+          <p:spPr>
+            <a:xfrm>
+              <a:off x="8793881" y="5505651"/>
+              <a:ext cx="320040" cy="320040"/>
+            </a:xfrm>
+            <a:prstGeom prst="ellipse">
+              <a:avLst/>
+            </a:prstGeom>
+            <a:solidFill>
+              <a:schemeClr val="bg1"/>
+            </a:solidFill>
+            <a:ln w="28575">
+              <a:solidFill>
+                <a:schemeClr val="tx1"/>
+              </a:solidFill>
+            </a:ln>
+          </p:spPr>
+          <p:style>
+            <a:lnRef idx="2">
+              <a:schemeClr val="accent1">
+                <a:shade val="50000"/>
+              </a:schemeClr>
+            </a:lnRef>
+            <a:fillRef idx="1">
+              <a:schemeClr val="accent1"/>
+            </a:fillRef>
+            <a:effectRef idx="0">
+              <a:schemeClr val="accent1"/>
+            </a:effectRef>
+            <a:fontRef idx="minor">
+              <a:schemeClr val="lt1"/>
+            </a:fontRef>
+          </p:style>
+          <p:txBody>
+            <a:bodyPr rtlCol="0" anchor="ctr"/>
+            <a:lstStyle/>
+            <a:p>
+              <a:pPr algn="ctr"/>
+              <a:endParaRPr lang="en-US"/>
+            </a:p>
+          </p:txBody>
+        </p:sp>
+      </p:grpSp>
+      <mc:AlternateContent xmlns:mc="http://schemas.openxmlformats.org/markup-compatibility/2006">
+        <mc:Choice xmlns:a14="http://schemas.microsoft.com/office/drawing/2010/main" Requires="a14">
+          <p:sp>
+            <p:nvSpPr>
+              <p:cNvPr id="2" name="Title 1">
+                <a:extLst>
+                  <a:ext uri="{FF2B5EF4-FFF2-40B4-BE49-F238E27FC236}">
+                    <a16:creationId xmlns:a16="http://schemas.microsoft.com/office/drawing/2014/main" id="{B76CFA0B-C199-444E-8940-6B60D25AFDD5}"/>
+                  </a:ext>
+                </a:extLst>
+              </p:cNvPr>
+              <p:cNvSpPr>
+                <a:spLocks noGrp="1"/>
+              </p:cNvSpPr>
+              <p:nvPr>
+                <p:ph type="title"/>
+              </p:nvPr>
+            </p:nvSpPr>
+            <p:spPr/>
+            <p:txBody>
+              <a:bodyPr/>
+              <a:lstStyle/>
+              <a:p>
+                <a:r>
+                  <a:rPr lang="en-US" dirty="0">
+                    <a:latin typeface="Gill Sans MT"/>
+                  </a:rPr>
+                  <a:t>Circuit Analysis - </a:t>
+                </a:r>
+                <a14:m>
+                  <m:oMath xmlns:m="http://schemas.openxmlformats.org/officeDocument/2006/math">
+                    <m:sSub>
+                      <m:sSubPr>
+                        <m:ctrlPr>
+                          <a:rPr lang="en-US" i="1" smtClean="0">
+                            <a:latin typeface="Cambria Math" panose="02040503050406030204" pitchFamily="18" charset="0"/>
+                          </a:rPr>
+                        </m:ctrlPr>
+                      </m:sSubPr>
+                      <m:e>
+                        <m:r>
+                          <a:rPr lang="en-US" b="0" i="1" smtClean="0">
+                            <a:latin typeface="Cambria Math" panose="02040503050406030204" pitchFamily="18" charset="0"/>
+                          </a:rPr>
+                          <m:t>𝑅</m:t>
+                        </m:r>
+                      </m:e>
+                      <m:sub>
+                        <m:r>
+                          <a:rPr lang="en-US" b="0" i="1" smtClean="0">
+                            <a:latin typeface="Cambria Math" panose="02040503050406030204" pitchFamily="18" charset="0"/>
+                          </a:rPr>
+                          <m:t>𝑀𝑜𝑡𝑜𝑟</m:t>
+                        </m:r>
+                      </m:sub>
+                    </m:sSub>
+                  </m:oMath>
+                </a14:m>
+                <a:endParaRPr lang="en-US" dirty="0"/>
+              </a:p>
+            </p:txBody>
+          </p:sp>
+        </mc:Choice>
+        <mc:Fallback>
+          <p:sp>
+            <p:nvSpPr>
+              <p:cNvPr id="2" name="Title 1">
+                <a:extLst>
+                  <a:ext uri="{FF2B5EF4-FFF2-40B4-BE49-F238E27FC236}">
+                    <a16:creationId xmlns:a16="http://schemas.microsoft.com/office/drawing/2014/main" id="{B76CFA0B-C199-444E-8940-6B60D25AFDD5}"/>
+                  </a:ext>
+                </a:extLst>
+              </p:cNvPr>
+              <p:cNvSpPr>
+                <a:spLocks noGrp="1" noRot="1" noChangeAspect="1" noMove="1" noResize="1" noEditPoints="1" noAdjustHandles="1" noChangeArrowheads="1" noChangeShapeType="1" noTextEdit="1"/>
+              </p:cNvSpPr>
+              <p:nvPr>
+                <p:ph type="title"/>
+              </p:nvPr>
+            </p:nvSpPr>
+            <p:spPr>
+              <a:blipFill>
+                <a:blip r:embed="rId2"/>
+                <a:stretch>
+                  <a:fillRect l="-2377"/>
+                </a:stretch>
+              </a:blipFill>
+            </p:spPr>
+            <p:txBody>
+              <a:bodyPr/>
+              <a:lstStyle/>
+              <a:p>
+                <a:r>
+                  <a:rPr lang="en-US">
+                    <a:noFill/>
+                  </a:rPr>
+                  <a:t> </a:t>
+                </a:r>
+              </a:p>
+            </p:txBody>
+          </p:sp>
+        </mc:Fallback>
+      </mc:AlternateContent>
+      <p:pic>
+        <p:nvPicPr>
+          <p:cNvPr id="18" name="Content Placeholder 17">
+            <a:extLst>
+              <a:ext uri="{FF2B5EF4-FFF2-40B4-BE49-F238E27FC236}">
+                <a16:creationId xmlns:a16="http://schemas.microsoft.com/office/drawing/2014/main" id="{BFF81F89-175A-48F5-A267-04D84BDAB908}"/>
+              </a:ext>
+            </a:extLst>
+          </p:cNvPr>
+          <p:cNvPicPr>
+            <a:picLocks noGrp="1" noChangeAspect="1"/>
+          </p:cNvPicPr>
+          <p:nvPr>
+            <p:ph idx="1"/>
+          </p:nvPr>
+        </p:nvPicPr>
+        <p:blipFill>
+          <a:blip r:embed="rId3">
+            <a:extLst>
+              <a:ext uri="{BEBA8EAE-BF5A-486C-A8C5-ECC9F3942E4B}">
+                <a14:imgProps xmlns:a14="http://schemas.microsoft.com/office/drawing/2010/main">
+                  <a14:imgLayer r:embed="rId4">
+                    <a14:imgEffect>
+                      <a14:sharpenSoften amount="50000"/>
+                    </a14:imgEffect>
+                    <a14:imgEffect>
+                      <a14:brightnessContrast bright="20000" contrast="-40000"/>
+                    </a14:imgEffect>
+                  </a14:imgLayer>
+                </a14:imgProps>
+              </a:ext>
+            </a:extLst>
+          </a:blip>
+          <a:stretch>
+            <a:fillRect/>
+          </a:stretch>
+        </p:blipFill>
+        <p:spPr>
+          <a:xfrm>
+            <a:off x="625087" y="1690688"/>
+            <a:ext cx="6670867" cy="4415543"/>
+          </a:xfrm>
+          <a:prstGeom prst="rect">
+            <a:avLst/>
+          </a:prstGeom>
+        </p:spPr>
+      </p:pic>
+      <p:pic>
+        <p:nvPicPr>
+          <p:cNvPr id="5" name="Picture 4" descr="A picture containing clipart&#10;&#10;Description generated with very high confidence">
+            <a:extLst>
+              <a:ext uri="{FF2B5EF4-FFF2-40B4-BE49-F238E27FC236}">
+                <a16:creationId xmlns:a16="http://schemas.microsoft.com/office/drawing/2014/main" id="{99E8C4C4-8D26-437B-BE14-F297FF84DC73}"/>
+              </a:ext>
+            </a:extLst>
+          </p:cNvPr>
+          <p:cNvPicPr>
+            <a:picLocks noChangeAspect="1"/>
+          </p:cNvPicPr>
+          <p:nvPr/>
+        </p:nvPicPr>
+        <p:blipFill>
+          <a:blip r:embed="rId5"/>
+          <a:stretch>
+            <a:fillRect/>
+          </a:stretch>
+        </p:blipFill>
+        <p:spPr>
+          <a:xfrm>
+            <a:off x="10131286" y="140092"/>
+            <a:ext cx="1933575" cy="1552575"/>
+          </a:xfrm>
+          <a:prstGeom prst="rect">
+            <a:avLst/>
+          </a:prstGeom>
+        </p:spPr>
+      </p:pic>
+      <p:cxnSp>
+        <p:nvCxnSpPr>
+          <p:cNvPr id="14" name="Straight Connector 13">
+            <a:extLst>
+              <a:ext uri="{FF2B5EF4-FFF2-40B4-BE49-F238E27FC236}">
+                <a16:creationId xmlns:a16="http://schemas.microsoft.com/office/drawing/2014/main" id="{89EAD318-C1B6-4359-AAB9-BE668D57109E}"/>
+              </a:ext>
+            </a:extLst>
+          </p:cNvPr>
+          <p:cNvCxnSpPr/>
+          <p:nvPr/>
+        </p:nvCxnSpPr>
+        <p:spPr>
+          <a:xfrm>
+            <a:off x="68580" y="6507480"/>
+            <a:ext cx="6080760" cy="0"/>
+          </a:xfrm>
+          <a:prstGeom prst="line">
+            <a:avLst/>
+          </a:prstGeom>
+          <a:ln w="12700">
+            <a:solidFill>
+              <a:schemeClr val="tx1"/>
+            </a:solidFill>
+          </a:ln>
+        </p:spPr>
+        <p:style>
+          <a:lnRef idx="1">
+            <a:schemeClr val="accent1"/>
+          </a:lnRef>
+          <a:fillRef idx="0">
+            <a:schemeClr val="accent1"/>
+          </a:fillRef>
+          <a:effectRef idx="0">
+            <a:schemeClr val="accent1"/>
+          </a:effectRef>
+          <a:fontRef idx="minor">
+            <a:schemeClr val="tx1"/>
+          </a:fontRef>
+        </p:style>
+      </p:cxnSp>
+      <p:sp>
+        <p:nvSpPr>
+          <p:cNvPr id="4" name="TextBox 3">
+            <a:extLst>
+              <a:ext uri="{FF2B5EF4-FFF2-40B4-BE49-F238E27FC236}">
+                <a16:creationId xmlns:a16="http://schemas.microsoft.com/office/drawing/2014/main" id="{5523F0D3-A68D-4377-BF68-3769DF3565C6}"/>
+              </a:ext>
+            </a:extLst>
+          </p:cNvPr>
+          <p:cNvSpPr txBox="1"/>
+          <p:nvPr/>
+        </p:nvSpPr>
+        <p:spPr>
+          <a:xfrm>
+            <a:off x="0" y="6507480"/>
+            <a:ext cx="5562292" cy="338554"/>
+          </a:xfrm>
+          <a:prstGeom prst="rect">
+            <a:avLst/>
+          </a:prstGeom>
+          <a:noFill/>
+        </p:spPr>
+        <p:txBody>
+          <a:bodyPr wrap="none" rtlCol="0" anchor="t">
+            <a:spAutoFit/>
+          </a:bodyPr>
+          <a:lstStyle/>
+          <a:p>
+            <a:r>
+              <a:rPr lang="en-US" sz="1600" dirty="0">
+                <a:solidFill>
+                  <a:srgbClr val="C00000"/>
+                </a:solidFill>
+                <a:latin typeface="Gill Sans MT"/>
+              </a:rPr>
+              <a:t>Lafayette Jefferson High School – Digital Electronics – Mr.  White</a:t>
+            </a:r>
+          </a:p>
+        </p:txBody>
+      </p:sp>
+      <p:grpSp>
+        <p:nvGrpSpPr>
+          <p:cNvPr id="19" name="Group 18">
+            <a:extLst>
+              <a:ext uri="{FF2B5EF4-FFF2-40B4-BE49-F238E27FC236}">
+                <a16:creationId xmlns:a16="http://schemas.microsoft.com/office/drawing/2014/main" id="{AACDAF7E-2631-44CE-9E9C-4E4AA6C2246A}"/>
+              </a:ext>
+            </a:extLst>
+          </p:cNvPr>
+          <p:cNvGrpSpPr/>
+          <p:nvPr/>
+        </p:nvGrpSpPr>
+        <p:grpSpPr>
+          <a:xfrm>
+            <a:off x="8328259" y="3779823"/>
+            <a:ext cx="1371600" cy="1371600"/>
+            <a:chOff x="8328259" y="3779823"/>
+            <a:chExt cx="1371600" cy="1371600"/>
+          </a:xfrm>
+        </p:grpSpPr>
+        <p:sp>
+          <p:nvSpPr>
+            <p:cNvPr id="15" name="Oval 14">
+              <a:extLst>
+                <a:ext uri="{FF2B5EF4-FFF2-40B4-BE49-F238E27FC236}">
+                  <a16:creationId xmlns:a16="http://schemas.microsoft.com/office/drawing/2014/main" id="{6B522E19-09A4-444C-8D51-998371AF60D4}"/>
+                </a:ext>
+              </a:extLst>
+            </p:cNvPr>
+            <p:cNvSpPr/>
+            <p:nvPr/>
+          </p:nvSpPr>
+          <p:spPr>
+            <a:xfrm>
+              <a:off x="8328259" y="3779823"/>
+              <a:ext cx="1371600" cy="1371600"/>
+            </a:xfrm>
+            <a:prstGeom prst="ellipse">
+              <a:avLst/>
+            </a:prstGeom>
+            <a:solidFill>
+              <a:schemeClr val="bg1"/>
+            </a:solidFill>
+            <a:ln w="28575">
+              <a:solidFill>
+                <a:schemeClr val="tx1"/>
+              </a:solidFill>
+            </a:ln>
+          </p:spPr>
+          <p:style>
+            <a:lnRef idx="2">
+              <a:schemeClr val="accent1">
+                <a:shade val="50000"/>
+              </a:schemeClr>
+            </a:lnRef>
+            <a:fillRef idx="1">
+              <a:schemeClr val="accent1"/>
+            </a:fillRef>
+            <a:effectRef idx="0">
+              <a:schemeClr val="accent1"/>
+            </a:effectRef>
+            <a:fontRef idx="minor">
+              <a:schemeClr val="lt1"/>
+            </a:fontRef>
+          </p:style>
+          <p:txBody>
+            <a:bodyPr rtlCol="0" anchor="ctr"/>
+            <a:lstStyle/>
+            <a:p>
+              <a:pPr algn="ctr"/>
+              <a:endParaRPr lang="en-US"/>
+            </a:p>
+          </p:txBody>
+        </p:sp>
+        <p:cxnSp>
+          <p:nvCxnSpPr>
+            <p:cNvPr id="17" name="Straight Connector 16">
+              <a:extLst>
+                <a:ext uri="{FF2B5EF4-FFF2-40B4-BE49-F238E27FC236}">
+                  <a16:creationId xmlns:a16="http://schemas.microsoft.com/office/drawing/2014/main" id="{94091E7B-DDCB-408D-89DD-C7E8664C87C3}"/>
+                </a:ext>
+              </a:extLst>
+            </p:cNvPr>
+            <p:cNvCxnSpPr>
+              <a:stCxn id="15" idx="0"/>
+            </p:cNvCxnSpPr>
+            <p:nvPr/>
+          </p:nvCxnSpPr>
+          <p:spPr>
+            <a:xfrm>
+              <a:off x="9014059" y="3779823"/>
+              <a:ext cx="0" cy="753676"/>
+            </a:xfrm>
+            <a:prstGeom prst="line">
+              <a:avLst/>
+            </a:prstGeom>
+            <a:ln w="28575">
+              <a:solidFill>
+                <a:schemeClr val="tx1"/>
+              </a:solidFill>
+            </a:ln>
+          </p:spPr>
+          <p:style>
+            <a:lnRef idx="1">
+              <a:schemeClr val="accent1"/>
+            </a:lnRef>
+            <a:fillRef idx="0">
+              <a:schemeClr val="accent1"/>
+            </a:fillRef>
+            <a:effectRef idx="0">
+              <a:schemeClr val="accent1"/>
+            </a:effectRef>
+            <a:fontRef idx="minor">
+              <a:schemeClr val="tx1"/>
+            </a:fontRef>
+          </p:style>
+        </p:cxnSp>
+      </p:grpSp>
+      <p:cxnSp>
+        <p:nvCxnSpPr>
+          <p:cNvPr id="25" name="Connector: Curved 24">
+            <a:extLst>
+              <a:ext uri="{FF2B5EF4-FFF2-40B4-BE49-F238E27FC236}">
+                <a16:creationId xmlns:a16="http://schemas.microsoft.com/office/drawing/2014/main" id="{AAC09D4C-2770-449E-A75B-18AEB28CD9F8}"/>
+              </a:ext>
+            </a:extLst>
+          </p:cNvPr>
+          <p:cNvCxnSpPr>
+            <a:cxnSpLocks/>
+            <a:endCxn id="20" idx="4"/>
+          </p:cNvCxnSpPr>
+          <p:nvPr/>
+        </p:nvCxnSpPr>
+        <p:spPr>
+          <a:xfrm>
+            <a:off x="5813659" y="2560320"/>
+            <a:ext cx="3596239" cy="3265371"/>
+          </a:xfrm>
+          <a:prstGeom prst="curvedConnector4">
+            <a:avLst>
+              <a:gd name="adj1" fmla="val 37604"/>
+              <a:gd name="adj2" fmla="val 114665"/>
+            </a:avLst>
+          </a:prstGeom>
+          <a:ln w="28575">
+            <a:solidFill>
+              <a:schemeClr val="tx1"/>
+            </a:solidFill>
+          </a:ln>
+        </p:spPr>
+        <p:style>
+          <a:lnRef idx="1">
+            <a:schemeClr val="accent1"/>
+          </a:lnRef>
+          <a:fillRef idx="0">
+            <a:schemeClr val="accent1"/>
+          </a:fillRef>
+          <a:effectRef idx="0">
+            <a:schemeClr val="accent1"/>
+          </a:effectRef>
+          <a:fontRef idx="minor">
+            <a:schemeClr val="tx1"/>
+          </a:fontRef>
+        </p:style>
+      </p:cxnSp>
+      <p:cxnSp>
+        <p:nvCxnSpPr>
+          <p:cNvPr id="33" name="Connector: Curved 32">
+            <a:extLst>
+              <a:ext uri="{FF2B5EF4-FFF2-40B4-BE49-F238E27FC236}">
+                <a16:creationId xmlns:a16="http://schemas.microsoft.com/office/drawing/2014/main" id="{577A1A50-5279-4189-BFA6-930BDB872D77}"/>
+              </a:ext>
+            </a:extLst>
+          </p:cNvPr>
+          <p:cNvCxnSpPr>
+            <a:cxnSpLocks/>
+            <a:endCxn id="21" idx="4"/>
+          </p:cNvCxnSpPr>
+          <p:nvPr/>
+        </p:nvCxnSpPr>
+        <p:spPr>
+          <a:xfrm>
+            <a:off x="5813659" y="3792354"/>
+            <a:ext cx="4046220" cy="2033337"/>
+          </a:xfrm>
+          <a:prstGeom prst="curvedConnector4">
+            <a:avLst>
+              <a:gd name="adj1" fmla="val 29944"/>
+              <a:gd name="adj2" fmla="val 135858"/>
+            </a:avLst>
+          </a:prstGeom>
+          <a:ln w="28575">
+            <a:solidFill>
+              <a:schemeClr val="tx1"/>
+            </a:solidFill>
+          </a:ln>
+        </p:spPr>
+        <p:style>
+          <a:lnRef idx="1">
+            <a:schemeClr val="accent1"/>
+          </a:lnRef>
+          <a:fillRef idx="0">
+            <a:schemeClr val="accent1"/>
+          </a:fillRef>
+          <a:effectRef idx="0">
+            <a:schemeClr val="accent1"/>
+          </a:effectRef>
+          <a:fontRef idx="minor">
+            <a:schemeClr val="tx1"/>
+          </a:fontRef>
+        </p:style>
+      </p:cxnSp>
+      <p:sp>
+        <p:nvSpPr>
+          <p:cNvPr id="38" name="Oval 37">
+            <a:extLst>
+              <a:ext uri="{FF2B5EF4-FFF2-40B4-BE49-F238E27FC236}">
+                <a16:creationId xmlns:a16="http://schemas.microsoft.com/office/drawing/2014/main" id="{5EC59843-6C9C-4996-8559-BE9953A4CBCC}"/>
+              </a:ext>
+            </a:extLst>
+          </p:cNvPr>
+          <p:cNvSpPr/>
+          <p:nvPr/>
+        </p:nvSpPr>
+        <p:spPr>
+          <a:xfrm>
+            <a:off x="5746282" y="3723774"/>
+            <a:ext cx="137160" cy="137160"/>
+          </a:xfrm>
+          <a:prstGeom prst="ellipse">
+            <a:avLst/>
+          </a:prstGeom>
+          <a:solidFill>
+            <a:schemeClr val="tx1"/>
+          </a:solidFill>
+          <a:ln>
+            <a:solidFill>
+              <a:schemeClr val="tx1"/>
+            </a:solidFill>
+          </a:ln>
+        </p:spPr>
+        <p:style>
+          <a:lnRef idx="2">
+            <a:schemeClr val="accent1">
+              <a:shade val="50000"/>
+            </a:schemeClr>
+          </a:lnRef>
+          <a:fillRef idx="1">
+            <a:schemeClr val="accent1"/>
+          </a:fillRef>
+          <a:effectRef idx="0">
+            <a:schemeClr val="accent1"/>
+          </a:effectRef>
+          <a:fontRef idx="minor">
+            <a:schemeClr val="lt1"/>
+          </a:fontRef>
+        </p:style>
+        <p:txBody>
+          <a:bodyPr rtlCol="0" anchor="ctr"/>
+          <a:lstStyle/>
+          <a:p>
+            <a:pPr algn="ctr"/>
+            <a:endParaRPr lang="en-US"/>
+          </a:p>
+        </p:txBody>
+      </p:sp>
+      <p:sp>
+        <p:nvSpPr>
+          <p:cNvPr id="39" name="Oval 38">
+            <a:extLst>
+              <a:ext uri="{FF2B5EF4-FFF2-40B4-BE49-F238E27FC236}">
+                <a16:creationId xmlns:a16="http://schemas.microsoft.com/office/drawing/2014/main" id="{32BB2B46-CABB-4162-B0BB-38246172DC66}"/>
+              </a:ext>
+            </a:extLst>
+          </p:cNvPr>
+          <p:cNvSpPr/>
+          <p:nvPr/>
+        </p:nvSpPr>
+        <p:spPr>
+          <a:xfrm>
+            <a:off x="5745079" y="2507507"/>
+            <a:ext cx="137160" cy="137160"/>
+          </a:xfrm>
+          <a:prstGeom prst="ellipse">
+            <a:avLst/>
+          </a:prstGeom>
+          <a:solidFill>
+            <a:schemeClr val="tx1"/>
+          </a:solidFill>
+          <a:ln>
+            <a:solidFill>
+              <a:schemeClr val="tx1"/>
+            </a:solidFill>
+          </a:ln>
+        </p:spPr>
+        <p:style>
+          <a:lnRef idx="2">
+            <a:schemeClr val="accent1">
+              <a:shade val="50000"/>
+            </a:schemeClr>
+          </a:lnRef>
+          <a:fillRef idx="1">
+            <a:schemeClr val="accent1"/>
+          </a:fillRef>
+          <a:effectRef idx="0">
+            <a:schemeClr val="accent1"/>
+          </a:effectRef>
+          <a:fontRef idx="minor">
+            <a:schemeClr val="lt1"/>
+          </a:fontRef>
+        </p:style>
+        <p:txBody>
+          <a:bodyPr rtlCol="0" anchor="ctr"/>
+          <a:lstStyle/>
+          <a:p>
+            <a:pPr algn="ctr"/>
+            <a:endParaRPr lang="en-US"/>
+          </a:p>
+        </p:txBody>
+      </p:sp>
+    </p:spTree>
+    <p:extLst>
+      <p:ext uri="{BB962C8B-B14F-4D97-AF65-F5344CB8AC3E}">
+        <p14:creationId xmlns:p14="http://schemas.microsoft.com/office/powerpoint/2010/main" val="3759380979"/>
+      </p:ext>
+    </p:extLst>
+  </p:cSld>
+  <p:clrMapOvr>
+    <a:masterClrMapping/>
+  </p:clrMapOvr>
+</p:sld>
+</file>
+
+<file path=ppt/slides/slide8.xml><?xml version="1.0" encoding="utf-8"?>
 <p:sld xmlns:a="http://schemas.openxmlformats.org/drawingml/2006/main" xmlns:r="http://schemas.openxmlformats.org/officeDocument/2006/relationships" xmlns:p="http://schemas.openxmlformats.org/presentationml/2006/main">
   <p:cSld>
     <p:spTree>
